--- a/lessons/2_gender_analyze/ppt/“判断性别”Demo需求分析和初步设计（上）.pptx
+++ b/lessons/2_gender_analyze/ppt/“判断性别”Demo需求分析和初步设计（上）.pptx
@@ -9651,16 +9651,20 @@
               <a:rPr lang="zh-CN" altLang="en-US" dirty="0"/>
               <a:t>第一节课：课程介绍</a:t>
             </a:r>
-            <a:br>
+            <a:endParaRPr lang="en-US" altLang="zh-CN"/>
+          </a:p>
+          <a:p>
+            <a:pPr marL="742950" lvl="1" indent="-285750">
+              <a:buFont typeface="Arial" panose="020B0604020202020204" pitchFamily="34" charset="0"/>
+              <a:buChar char="•"/>
+            </a:pPr>
+            <a:r>
+              <a:rPr lang="zh-CN" altLang="en-US"/>
+              <a:t>深度</a:t>
+            </a:r>
+            <a:r>
               <a:rPr lang="zh-CN" altLang="en-US" dirty="0"/>
-            </a:br>
-            <a:r>
-              <a:rPr lang="en-US" altLang="zh-CN" dirty="0"/>
-              <a:t>- </a:t>
-            </a:r>
-            <a:r>
-              <a:rPr lang="zh-CN" altLang="en-US" dirty="0"/>
-              <a:t>深度学习在图形学中有什么应用？</a:t>
+              <a:t>学习在图形学中有什么应用？</a:t>
             </a:r>
             <a:br>
               <a:rPr lang="zh-CN" altLang="en-US" dirty="0"/>
@@ -9846,6 +9850,55 @@
                                     <p:set>
                                       <p:cBhvr>
                                         <p:cTn id="10" dur="1" fill="hold">
+                                          <p:stCondLst>
+                                            <p:cond delay="0"/>
+                                          </p:stCondLst>
+                                        </p:cTn>
+                                        <p:tgtEl>
+                                          <p:spTgt spid="2">
+                                            <p:txEl>
+                                              <p:pRg st="1" end="1"/>
+                                            </p:txEl>
+                                          </p:spTgt>
+                                        </p:tgtEl>
+                                        <p:attrNameLst>
+                                          <p:attrName>style.visibility</p:attrName>
+                                        </p:attrNameLst>
+                                      </p:cBhvr>
+                                      <p:to>
+                                        <p:strVal val="visible"/>
+                                      </p:to>
+                                    </p:set>
+                                  </p:childTnLst>
+                                </p:cTn>
+                              </p:par>
+                            </p:childTnLst>
+                          </p:cTn>
+                        </p:par>
+                      </p:childTnLst>
+                    </p:cTn>
+                  </p:par>
+                  <p:par>
+                    <p:cTn id="11" fill="hold">
+                      <p:stCondLst>
+                        <p:cond delay="indefinite"/>
+                      </p:stCondLst>
+                      <p:childTnLst>
+                        <p:par>
+                          <p:cTn id="12" fill="hold">
+                            <p:stCondLst>
+                              <p:cond delay="0"/>
+                            </p:stCondLst>
+                            <p:childTnLst>
+                              <p:par>
+                                <p:cTn id="13" presetID="1" presetClass="entr" presetSubtype="0" fill="hold" nodeType="clickEffect">
+                                  <p:stCondLst>
+                                    <p:cond delay="0"/>
+                                  </p:stCondLst>
+                                  <p:childTnLst>
+                                    <p:set>
+                                      <p:cBhvr>
+                                        <p:cTn id="14" dur="1" fill="hold">
                                           <p:stCondLst>
                                             <p:cond delay="0"/>
                                           </p:stCondLst>
